--- a/App Presentation.pptx
+++ b/App Presentation.pptx
@@ -25,34 +25,34 @@
   <p:notesSz cx="6858000" cy="9144000"/>
   <p:embeddedFontLst>
     <p:embeddedFont>
-      <p:font typeface="Inconsolata" panose="020B0604020202020204" charset="0"/>
+      <p:font typeface="Russo One" panose="020B0604020202020204" charset="0"/>
       <p:regular r:id="rId15"/>
-      <p:bold r:id="rId16"/>
     </p:embeddedFont>
     <p:embeddedFont>
-      <p:font typeface="Open Sans" panose="020B0604020202020204" charset="0"/>
+      <p:font typeface="Bebas Neue" panose="020B0000000000000000" pitchFamily="34" charset="0"/>
+      <p:regular r:id="rId16"/>
+    </p:embeddedFont>
+    <p:embeddedFont>
+      <p:font typeface="Montserrat" panose="00000500000000000000" pitchFamily="2" charset="0"/>
       <p:regular r:id="rId17"/>
       <p:bold r:id="rId18"/>
       <p:italic r:id="rId19"/>
       <p:boldItalic r:id="rId20"/>
     </p:embeddedFont>
     <p:embeddedFont>
-      <p:font typeface="Bebas Neue" panose="020B0000000000000000" pitchFamily="34" charset="0"/>
+      <p:font typeface="Consolas" panose="020B0609020204030204" pitchFamily="49" charset="0"/>
       <p:regular r:id="rId21"/>
+      <p:bold r:id="rId22"/>
+      <p:italic r:id="rId23"/>
+      <p:boldItalic r:id="rId24"/>
     </p:embeddedFont>
     <p:embeddedFont>
-      <p:font typeface="Montserrat" panose="00000500000000000000" pitchFamily="2" charset="0"/>
-      <p:regular r:id="rId22"/>
-      <p:bold r:id="rId23"/>
-      <p:italic r:id="rId24"/>
-      <p:boldItalic r:id="rId25"/>
+      <p:font typeface="Inconsolata" panose="020B0604020202020204" charset="0"/>
+      <p:regular r:id="rId25"/>
+      <p:bold r:id="rId26"/>
     </p:embeddedFont>
     <p:embeddedFont>
-      <p:font typeface="Russo One" panose="020B0604020202020204" charset="0"/>
-      <p:regular r:id="rId26"/>
-    </p:embeddedFont>
-    <p:embeddedFont>
-      <p:font typeface="Consolas" panose="020B0609020204030204" pitchFamily="49" charset="0"/>
+      <p:font typeface="Open Sans" panose="020B0604020202020204" charset="0"/>
       <p:regular r:id="rId27"/>
       <p:bold r:id="rId28"/>
       <p:italic r:id="rId29"/>
@@ -10959,8 +10959,8 @@
         </p:nvSpPr>
         <p:spPr>
           <a:xfrm>
-            <a:off x="1011300" y="2998121"/>
-            <a:ext cx="3805865" cy="1526813"/>
+            <a:off x="271670" y="2464904"/>
+            <a:ext cx="8454887" cy="1969146"/>
           </a:xfrm>
           <a:prstGeom prst="rect">
             <a:avLst/>
@@ -10972,27 +10972,59 @@
           </a:bodyPr>
           <a:lstStyle/>
           <a:p>
-            <a:pPr marL="0" lvl="0" indent="0" algn="l" rtl="0">
-              <a:spcBef>
-                <a:spcPts val="0"/>
-              </a:spcBef>
-              <a:spcAft>
-                <a:spcPts val="0"/>
-              </a:spcAft>
-              <a:buNone/>
-            </a:pPr>
+            <a:pPr marL="0" lvl="0" indent="0" algn="r"/>
             <a:r>
-              <a:rPr lang="en-US" b="1" i="1" dirty="0" smtClean="0">
+              <a:rPr lang="en-US" sz="2400" b="1" i="1" dirty="0" smtClean="0">
                 <a:latin typeface="Montserrat" panose="00000500000000000000" pitchFamily="2" charset="0"/>
               </a:rPr>
-              <a:t>Developer:</a:t>
+              <a:t>Software Engineering </a:t>
             </a:r>
-            <a:endParaRPr lang="en-US" b="1" i="1" dirty="0">
+            <a:r>
+              <a:rPr lang="en-US" sz="2400" b="1" i="1" dirty="0" smtClean="0">
+                <a:latin typeface="Montserrat" panose="00000500000000000000" pitchFamily="2" charset="0"/>
+              </a:rPr>
+              <a:t>Sessional</a:t>
+            </a:r>
+            <a:r>
+              <a:rPr lang="en-US" sz="2400" dirty="0" smtClean="0"/>
+              <a:t> </a:t>
+            </a:r>
+            <a:r>
+              <a:rPr lang="en-US" sz="2400" b="1" i="1" dirty="0" smtClean="0">
+                <a:latin typeface="Montserrat" panose="00000500000000000000" pitchFamily="2" charset="0"/>
+              </a:rPr>
+              <a:t>(CSE-322) </a:t>
+            </a:r>
+          </a:p>
+          <a:p>
+            <a:pPr marL="0" lvl="0" indent="0" algn="r"/>
+            <a:r>
+              <a:rPr lang="en-US" sz="2400" b="1" i="1" dirty="0" smtClean="0">
+                <a:latin typeface="Montserrat" panose="00000500000000000000" pitchFamily="2" charset="0"/>
+              </a:rPr>
+              <a:t>Final Project(Spring-2022) </a:t>
+            </a:r>
+          </a:p>
+          <a:p>
+            <a:pPr marL="0" lvl="0" indent="0" algn="r"/>
+            <a:r>
+              <a:rPr lang="en-US" sz="2000" b="1" i="1" dirty="0" smtClean="0">
+                <a:latin typeface="Montserrat" panose="00000500000000000000" pitchFamily="2" charset="0"/>
+              </a:rPr>
+              <a:t>Developer</a:t>
+            </a:r>
+            <a:r>
+              <a:rPr lang="en-US" sz="2000" b="1" i="1" dirty="0" smtClean="0">
+                <a:latin typeface="Montserrat" panose="00000500000000000000" pitchFamily="2" charset="0"/>
+              </a:rPr>
+              <a:t>:</a:t>
+            </a:r>
+            <a:endParaRPr lang="en-US" sz="2000" b="1" i="1" dirty="0">
               <a:latin typeface="Montserrat" panose="00000500000000000000" pitchFamily="2" charset="0"/>
             </a:endParaRPr>
           </a:p>
           <a:p>
-            <a:pPr marL="0" lvl="0" indent="0" algn="l" rtl="0">
+            <a:pPr marL="0" lvl="0" indent="0" algn="r" rtl="0">
               <a:spcBef>
                 <a:spcPts val="0"/>
               </a:spcBef>
@@ -11002,23 +11034,23 @@
               <a:buNone/>
             </a:pPr>
             <a:r>
-              <a:rPr lang="en-US" dirty="0">
+              <a:rPr lang="en-US" sz="2000" dirty="0">
                 <a:latin typeface="Montserrat" panose="00000500000000000000" pitchFamily="2" charset="0"/>
               </a:rPr>
               <a:t>Tawsif Rahman </a:t>
             </a:r>
             <a:r>
-              <a:rPr lang="en-US" dirty="0" err="1">
+              <a:rPr lang="en-US" sz="2000" dirty="0" err="1">
                 <a:latin typeface="Montserrat" panose="00000500000000000000" pitchFamily="2" charset="0"/>
               </a:rPr>
               <a:t>Shopnil</a:t>
             </a:r>
-            <a:endParaRPr lang="en-US" dirty="0">
+            <a:endParaRPr lang="en-US" sz="2000" dirty="0">
               <a:latin typeface="Montserrat" panose="00000500000000000000" pitchFamily="2" charset="0"/>
             </a:endParaRPr>
           </a:p>
           <a:p>
-            <a:pPr marL="0" lvl="0" indent="0" algn="l" rtl="0">
+            <a:pPr marL="0" lvl="0" indent="0" algn="r" rtl="0">
               <a:spcBef>
                 <a:spcPts val="0"/>
               </a:spcBef>
@@ -11028,114 +11060,10 @@
               <a:buNone/>
             </a:pPr>
             <a:r>
-              <a:rPr lang="en-US" dirty="0" smtClean="0">
+              <a:rPr lang="en-US" sz="2000" dirty="0" smtClean="0">
                 <a:latin typeface="Montserrat" panose="00000500000000000000" pitchFamily="2" charset="0"/>
               </a:rPr>
               <a:t>ID:1110024</a:t>
-            </a:r>
-          </a:p>
-          <a:p>
-            <a:pPr marL="0" lvl="0" indent="0"/>
-            <a:r>
-              <a:rPr lang="en-US" b="1" i="1" dirty="0">
-                <a:latin typeface="Montserrat" panose="00000500000000000000" pitchFamily="2" charset="0"/>
-              </a:rPr>
-              <a:t>Team </a:t>
-            </a:r>
-            <a:r>
-              <a:rPr lang="en-US" b="1" i="1" dirty="0" smtClean="0">
-                <a:latin typeface="Montserrat" panose="00000500000000000000" pitchFamily="2" charset="0"/>
-              </a:rPr>
-              <a:t>Members:</a:t>
-            </a:r>
-            <a:endParaRPr lang="en-US" b="1" i="1" dirty="0">
-              <a:latin typeface="Montserrat" panose="00000500000000000000" pitchFamily="2" charset="0"/>
-            </a:endParaRPr>
-          </a:p>
-          <a:p>
-            <a:pPr marL="0" lvl="0" indent="0" algn="l" rtl="0">
-              <a:spcBef>
-                <a:spcPts val="0"/>
-              </a:spcBef>
-              <a:spcAft>
-                <a:spcPts val="0"/>
-              </a:spcAft>
-              <a:buNone/>
-            </a:pPr>
-            <a:r>
-              <a:rPr lang="en-US" dirty="0" err="1">
-                <a:latin typeface="Montserrat" panose="00000500000000000000" pitchFamily="2" charset="0"/>
-              </a:rPr>
-              <a:t>Sayma</a:t>
-            </a:r>
-            <a:r>
-              <a:rPr lang="en-US" dirty="0">
-                <a:latin typeface="Montserrat" panose="00000500000000000000" pitchFamily="2" charset="0"/>
-              </a:rPr>
-              <a:t> </a:t>
-            </a:r>
-            <a:r>
-              <a:rPr lang="en-US" dirty="0" err="1">
-                <a:latin typeface="Montserrat" panose="00000500000000000000" pitchFamily="2" charset="0"/>
-              </a:rPr>
-              <a:t>Khorshed</a:t>
-            </a:r>
-            <a:r>
-              <a:rPr lang="en-US" dirty="0">
-                <a:latin typeface="Montserrat" panose="00000500000000000000" pitchFamily="2" charset="0"/>
-              </a:rPr>
-              <a:t> Chowdhury</a:t>
-            </a:r>
-          </a:p>
-          <a:p>
-            <a:pPr marL="0" lvl="0" indent="0" algn="l" rtl="0">
-              <a:spcBef>
-                <a:spcPts val="0"/>
-              </a:spcBef>
-              <a:spcAft>
-                <a:spcPts val="0"/>
-              </a:spcAft>
-              <a:buNone/>
-            </a:pPr>
-            <a:r>
-              <a:rPr lang="en-US" dirty="0">
-                <a:latin typeface="Montserrat" panose="00000500000000000000" pitchFamily="2" charset="0"/>
-              </a:rPr>
-              <a:t>ID:1110003</a:t>
-            </a:r>
-          </a:p>
-          <a:p>
-            <a:pPr marL="0" lvl="0" indent="0" algn="l" rtl="0">
-              <a:spcBef>
-                <a:spcPts val="0"/>
-              </a:spcBef>
-              <a:spcAft>
-                <a:spcPts val="0"/>
-              </a:spcAft>
-              <a:buNone/>
-            </a:pPr>
-            <a:r>
-              <a:rPr lang="en-US" dirty="0">
-                <a:latin typeface="Montserrat" panose="00000500000000000000" pitchFamily="2" charset="0"/>
-              </a:rPr>
-              <a:t>Khaled Saifullah Fahad</a:t>
-            </a:r>
-          </a:p>
-          <a:p>
-            <a:pPr marL="0" lvl="0" indent="0" algn="l" rtl="0">
-              <a:spcBef>
-                <a:spcPts val="0"/>
-              </a:spcBef>
-              <a:spcAft>
-                <a:spcPts val="0"/>
-              </a:spcAft>
-              <a:buNone/>
-            </a:pPr>
-            <a:r>
-              <a:rPr lang="en-US" dirty="0">
-                <a:latin typeface="Montserrat" panose="00000500000000000000" pitchFamily="2" charset="0"/>
-              </a:rPr>
-              <a:t>ID:1110019</a:t>
             </a:r>
           </a:p>
           <a:p>

--- a/App Presentation.pptx
+++ b/App Presentation.pptx
@@ -25,38 +25,38 @@
   <p:notesSz cx="6858000" cy="9144000"/>
   <p:embeddedFontLst>
     <p:embeddedFont>
-      <p:font typeface="Russo One" panose="020B0604020202020204" charset="0"/>
+      <p:font typeface="Bebas Neue" panose="020B0000000000000000" pitchFamily="34" charset="0"/>
       <p:regular r:id="rId15"/>
     </p:embeddedFont>
     <p:embeddedFont>
-      <p:font typeface="Bebas Neue" panose="020B0000000000000000" pitchFamily="34" charset="0"/>
+      <p:font typeface="Consolas" panose="020B0609020204030204" pitchFamily="49" charset="0"/>
       <p:regular r:id="rId16"/>
+      <p:bold r:id="rId17"/>
+      <p:italic r:id="rId18"/>
+      <p:boldItalic r:id="rId19"/>
+    </p:embeddedFont>
+    <p:embeddedFont>
+      <p:font typeface="Inconsolata" pitchFamily="1" charset="0"/>
+      <p:regular r:id="rId20"/>
+      <p:bold r:id="rId21"/>
     </p:embeddedFont>
     <p:embeddedFont>
       <p:font typeface="Montserrat" panose="00000500000000000000" pitchFamily="2" charset="0"/>
-      <p:regular r:id="rId17"/>
-      <p:bold r:id="rId18"/>
-      <p:italic r:id="rId19"/>
-      <p:boldItalic r:id="rId20"/>
+      <p:regular r:id="rId22"/>
+      <p:bold r:id="rId23"/>
+      <p:italic r:id="rId24"/>
+      <p:boldItalic r:id="rId25"/>
     </p:embeddedFont>
     <p:embeddedFont>
-      <p:font typeface="Consolas" panose="020B0609020204030204" pitchFamily="49" charset="0"/>
-      <p:regular r:id="rId21"/>
-      <p:bold r:id="rId22"/>
-      <p:italic r:id="rId23"/>
-      <p:boldItalic r:id="rId24"/>
+      <p:font typeface="Open Sans" panose="020B0606030504020204" pitchFamily="34" charset="0"/>
+      <p:regular r:id="rId26"/>
+      <p:bold r:id="rId27"/>
+      <p:italic r:id="rId28"/>
+      <p:boldItalic r:id="rId29"/>
     </p:embeddedFont>
     <p:embeddedFont>
-      <p:font typeface="Inconsolata" panose="020B0604020202020204" charset="0"/>
-      <p:regular r:id="rId25"/>
-      <p:bold r:id="rId26"/>
-    </p:embeddedFont>
-    <p:embeddedFont>
-      <p:font typeface="Open Sans" panose="020B0604020202020204" charset="0"/>
-      <p:regular r:id="rId27"/>
-      <p:bold r:id="rId28"/>
-      <p:italic r:id="rId29"/>
-      <p:boldItalic r:id="rId30"/>
+      <p:font typeface="Russo One" panose="020B0604020202020204" charset="0"/>
+      <p:regular r:id="rId30"/>
     </p:embeddedFont>
   </p:embeddedFontLst>
   <p:defaultTextStyle>
@@ -10906,38 +10906,22 @@
                   <a:schemeClr val="lt1"/>
                 </a:solidFill>
               </a:rPr>
-              <a:t>Expense </a:t>
-            </a:r>
-            <a:r>
-              <a:rPr lang="en-US" dirty="0" smtClean="0">
-                <a:solidFill>
-                  <a:schemeClr val="lt1"/>
-                </a:solidFill>
-              </a:rPr>
-              <a:t>Tracker Android  </a:t>
+              <a:t>Expense Tracker Android  </a:t>
             </a:r>
             <a:br>
-              <a:rPr lang="en-US" dirty="0" smtClean="0">
+              <a:rPr lang="en-US" dirty="0">
                 <a:solidFill>
                   <a:schemeClr val="lt1"/>
                 </a:solidFill>
               </a:rPr>
             </a:br>
             <a:r>
-              <a:rPr lang="en-US" dirty="0" smtClean="0">
-                <a:solidFill>
-                  <a:schemeClr val="lt1"/>
-                </a:solidFill>
-              </a:rPr>
-              <a:t>App</a:t>
-            </a:r>
-            <a:r>
               <a:rPr lang="en-US" dirty="0">
                 <a:solidFill>
                   <a:schemeClr val="lt1"/>
                 </a:solidFill>
               </a:rPr>
-              <a:t>:</a:t>
+              <a:t>App:</a:t>
             </a:r>
             <a:endParaRPr i="1" dirty="0">
               <a:solidFill>
@@ -10959,8 +10943,8 @@
         </p:nvSpPr>
         <p:spPr>
           <a:xfrm>
-            <a:off x="271670" y="2464904"/>
-            <a:ext cx="8454887" cy="1969146"/>
+            <a:off x="1011300" y="2998121"/>
+            <a:ext cx="3805865" cy="1526813"/>
           </a:xfrm>
           <a:prstGeom prst="rect">
             <a:avLst/>
@@ -10972,59 +10956,24 @@
           </a:bodyPr>
           <a:lstStyle/>
           <a:p>
-            <a:pPr marL="0" lvl="0" indent="0" algn="r"/>
+            <a:pPr marL="0" lvl="0" indent="0" algn="l" rtl="0">
+              <a:spcBef>
+                <a:spcPts val="0"/>
+              </a:spcBef>
+              <a:spcAft>
+                <a:spcPts val="0"/>
+              </a:spcAft>
+              <a:buNone/>
+            </a:pPr>
             <a:r>
-              <a:rPr lang="en-US" sz="2400" b="1" i="1" dirty="0" smtClean="0">
+              <a:rPr lang="en-US" b="1" i="1" dirty="0">
                 <a:latin typeface="Montserrat" panose="00000500000000000000" pitchFamily="2" charset="0"/>
               </a:rPr>
-              <a:t>Software Engineering </a:t>
-            </a:r>
-            <a:r>
-              <a:rPr lang="en-US" sz="2400" b="1" i="1" dirty="0" smtClean="0">
-                <a:latin typeface="Montserrat" panose="00000500000000000000" pitchFamily="2" charset="0"/>
-              </a:rPr>
-              <a:t>Sessional</a:t>
-            </a:r>
-            <a:r>
-              <a:rPr lang="en-US" sz="2400" dirty="0" smtClean="0"/>
-              <a:t> </a:t>
-            </a:r>
-            <a:r>
-              <a:rPr lang="en-US" sz="2400" b="1" i="1" dirty="0" smtClean="0">
-                <a:latin typeface="Montserrat" panose="00000500000000000000" pitchFamily="2" charset="0"/>
-              </a:rPr>
-              <a:t>(CSE-322) </a:t>
+              <a:t>Developer:</a:t>
             </a:r>
           </a:p>
           <a:p>
-            <a:pPr marL="0" lvl="0" indent="0" algn="r"/>
-            <a:r>
-              <a:rPr lang="en-US" sz="2400" b="1" i="1" dirty="0" smtClean="0">
-                <a:latin typeface="Montserrat" panose="00000500000000000000" pitchFamily="2" charset="0"/>
-              </a:rPr>
-              <a:t>Final Project(Spring-2022) </a:t>
-            </a:r>
-          </a:p>
-          <a:p>
-            <a:pPr marL="0" lvl="0" indent="0" algn="r"/>
-            <a:r>
-              <a:rPr lang="en-US" sz="2000" b="1" i="1" dirty="0" smtClean="0">
-                <a:latin typeface="Montserrat" panose="00000500000000000000" pitchFamily="2" charset="0"/>
-              </a:rPr>
-              <a:t>Developer</a:t>
-            </a:r>
-            <a:r>
-              <a:rPr lang="en-US" sz="2000" b="1" i="1" dirty="0" smtClean="0">
-                <a:latin typeface="Montserrat" panose="00000500000000000000" pitchFamily="2" charset="0"/>
-              </a:rPr>
-              <a:t>:</a:t>
-            </a:r>
-            <a:endParaRPr lang="en-US" sz="2000" b="1" i="1" dirty="0">
-              <a:latin typeface="Montserrat" panose="00000500000000000000" pitchFamily="2" charset="0"/>
-            </a:endParaRPr>
-          </a:p>
-          <a:p>
-            <a:pPr marL="0" lvl="0" indent="0" algn="r" rtl="0">
+            <a:pPr marL="0" lvl="0" indent="0" algn="l" rtl="0">
               <a:spcBef>
                 <a:spcPts val="0"/>
               </a:spcBef>
@@ -11034,23 +10983,23 @@
               <a:buNone/>
             </a:pPr>
             <a:r>
-              <a:rPr lang="en-US" sz="2000" dirty="0">
+              <a:rPr lang="en-US" dirty="0">
                 <a:latin typeface="Montserrat" panose="00000500000000000000" pitchFamily="2" charset="0"/>
               </a:rPr>
               <a:t>Tawsif Rahman </a:t>
             </a:r>
             <a:r>
-              <a:rPr lang="en-US" sz="2000" dirty="0" err="1">
+              <a:rPr lang="en-US" dirty="0" err="1">
                 <a:latin typeface="Montserrat" panose="00000500000000000000" pitchFamily="2" charset="0"/>
               </a:rPr>
               <a:t>Shopnil</a:t>
             </a:r>
-            <a:endParaRPr lang="en-US" sz="2000" dirty="0">
+            <a:endParaRPr lang="en-US" dirty="0">
               <a:latin typeface="Montserrat" panose="00000500000000000000" pitchFamily="2" charset="0"/>
             </a:endParaRPr>
           </a:p>
           <a:p>
-            <a:pPr marL="0" lvl="0" indent="0" algn="r" rtl="0">
+            <a:pPr marL="0" lvl="0" indent="0" algn="l" rtl="0">
               <a:spcBef>
                 <a:spcPts val="0"/>
               </a:spcBef>
@@ -11060,10 +11009,105 @@
               <a:buNone/>
             </a:pPr>
             <a:r>
-              <a:rPr lang="en-US" sz="2000" dirty="0" smtClean="0">
+              <a:rPr lang="en-US" dirty="0">
                 <a:latin typeface="Montserrat" panose="00000500000000000000" pitchFamily="2" charset="0"/>
               </a:rPr>
               <a:t>ID:1110024</a:t>
+            </a:r>
+          </a:p>
+          <a:p>
+            <a:pPr marL="0" lvl="0" indent="0"/>
+            <a:r>
+              <a:rPr lang="en-US" b="1" i="1" dirty="0">
+                <a:latin typeface="Montserrat" panose="00000500000000000000" pitchFamily="2" charset="0"/>
+              </a:rPr>
+              <a:t>Team Members:</a:t>
+            </a:r>
+          </a:p>
+          <a:p>
+            <a:pPr marL="0" lvl="0" indent="0" algn="l" rtl="0">
+              <a:spcBef>
+                <a:spcPts val="0"/>
+              </a:spcBef>
+              <a:spcAft>
+                <a:spcPts val="0"/>
+              </a:spcAft>
+              <a:buNone/>
+            </a:pPr>
+            <a:r>
+              <a:rPr lang="en-US" dirty="0" err="1">
+                <a:latin typeface="Montserrat" panose="00000500000000000000" pitchFamily="2" charset="0"/>
+              </a:rPr>
+              <a:t>Sayma</a:t>
+            </a:r>
+            <a:r>
+              <a:rPr lang="en-US" dirty="0">
+                <a:latin typeface="Montserrat" panose="00000500000000000000" pitchFamily="2" charset="0"/>
+              </a:rPr>
+              <a:t> </a:t>
+            </a:r>
+            <a:r>
+              <a:rPr lang="en-US" dirty="0" err="1">
+                <a:latin typeface="Montserrat" panose="00000500000000000000" pitchFamily="2" charset="0"/>
+              </a:rPr>
+              <a:t>Khorshed</a:t>
+            </a:r>
+            <a:r>
+              <a:rPr lang="en-US" dirty="0">
+                <a:latin typeface="Montserrat" panose="00000500000000000000" pitchFamily="2" charset="0"/>
+              </a:rPr>
+              <a:t> Chowdhury</a:t>
+            </a:r>
+          </a:p>
+          <a:p>
+            <a:pPr marL="0" lvl="0" indent="0" algn="l" rtl="0">
+              <a:spcBef>
+                <a:spcPts val="0"/>
+              </a:spcBef>
+              <a:spcAft>
+                <a:spcPts val="0"/>
+              </a:spcAft>
+              <a:buNone/>
+            </a:pPr>
+            <a:r>
+              <a:rPr lang="en-US" dirty="0">
+                <a:latin typeface="Montserrat" panose="00000500000000000000" pitchFamily="2" charset="0"/>
+              </a:rPr>
+              <a:t>ID:1110003</a:t>
+            </a:r>
+          </a:p>
+          <a:p>
+            <a:pPr marL="0" lvl="0" indent="0" algn="l" rtl="0">
+              <a:spcBef>
+                <a:spcPts val="0"/>
+              </a:spcBef>
+              <a:spcAft>
+                <a:spcPts val="0"/>
+              </a:spcAft>
+              <a:buNone/>
+            </a:pPr>
+            <a:r>
+              <a:rPr lang="en-US" dirty="0">
+                <a:latin typeface="Montserrat" panose="00000500000000000000" pitchFamily="2" charset="0"/>
+              </a:rPr>
+              <a:t>Khaled Saifullah Fahad</a:t>
+            </a:r>
+          </a:p>
+          <a:p>
+            <a:pPr marL="0" lvl="0" indent="0" algn="l" rtl="0">
+              <a:spcBef>
+                <a:spcPts val="0"/>
+              </a:spcBef>
+              <a:spcAft>
+                <a:spcPts val="0"/>
+              </a:spcAft>
+              <a:buNone/>
+            </a:pPr>
+            <a:r>
+              <a:rPr lang="en-US" dirty="0">
+                <a:latin typeface="Montserrat" panose="00000500000000000000" pitchFamily="2" charset="0"/>
+              </a:rPr>
+              <a:t>ID:1110019</a:t>
             </a:r>
           </a:p>
           <a:p>
@@ -18108,8 +18152,8 @@
         </p:nvSpPr>
         <p:spPr>
           <a:xfrm>
-            <a:off x="1053050" y="1406900"/>
-            <a:ext cx="4302900" cy="2518500"/>
+            <a:off x="484909" y="1406900"/>
+            <a:ext cx="4871041" cy="2518500"/>
           </a:xfrm>
           <a:prstGeom prst="rect">
             <a:avLst/>
@@ -18141,7 +18185,7 @@
                   <a:schemeClr val="lt1"/>
                 </a:solidFill>
               </a:rPr>
-              <a:t>It has 2 SQLite Databases:</a:t>
+              <a:t>It has 2 SQLite Databases and it’s Controller Module:</a:t>
             </a:r>
           </a:p>
           <a:p>
